--- a/AI application/Final_Exam_Study_Plan_Tool.pptx
+++ b/AI application/Final_Exam_Study_Plan_Tool.pptx
@@ -12,11 +12,9 @@
     <p:sldId id="260" r:id="rId7"/>
     <p:sldId id="261" r:id="rId8"/>
     <p:sldId id="262" r:id="rId9"/>
-    <p:sldId id="263" r:id="rId10"/>
-    <p:sldId id="264" r:id="rId11"/>
-    <p:sldId id="265" r:id="rId12"/>
-    <p:sldId id="266" r:id="rId13"/>
-    <p:sldId id="267" r:id="rId14"/>
+    <p:sldId id="264" r:id="rId10"/>
+    <p:sldId id="265" r:id="rId11"/>
+    <p:sldId id="267" r:id="rId12"/>
   </p:sldIdLst>
   <p:sldSz cx="9144000" cy="6858000" type="screen4x3"/>
   <p:notesSz cx="6858000" cy="9144000"/>
@@ -3158,219 +3156,21 @@
             <p:ph type="title"/>
           </p:nvPr>
         </p:nvSpPr>
-        <p:spPr/>
-        <p:txBody>
-          <a:bodyPr/>
-          <a:lstStyle/>
-          <a:p>
-            <a:r>
-              <a:t>扩展方向 / Expansion</a:t>
-            </a:r>
-          </a:p>
-        </p:txBody>
-      </p:sp>
-      <p:sp>
-        <p:nvSpPr>
-          <p:cNvPr id="3" name="Content Placeholder 2"/>
-          <p:cNvSpPr>
-            <a:spLocks noGrp="1"/>
-          </p:cNvSpPr>
-          <p:nvPr>
-            <p:ph idx="1"/>
-          </p:nvPr>
-        </p:nvSpPr>
-        <p:spPr/>
-        <p:txBody>
-          <a:bodyPr/>
-          <a:lstStyle/>
-          <a:p>
-            <a:r>
-              <a:rPr sz="1800"/>
-              <a:t>支付功能、高级推荐算法、聊天机器人、社区分享</a:t>
-            </a:r>
-            <a:endParaRPr sz="1800"/>
-          </a:p>
-          <a:p>
-            <a:endParaRPr sz="1800"/>
-          </a:p>
-          <a:p>
-            <a:r>
-              <a:rPr sz="1800"/>
-              <a:t>Payment model, advanced recommendation, chatbot, community sharing</a:t>
-            </a:r>
-            <a:endParaRPr sz="1800"/>
-          </a:p>
-        </p:txBody>
-      </p:sp>
-    </p:spTree>
-  </p:cSld>
-  <p:clrMapOvr>
-    <a:masterClrMapping/>
-  </p:clrMapOvr>
-</p:sld>
-</file>
-
-<file path=ppt/slides/slide11.xml><?xml version="1.0" encoding="utf-8"?>
-<p:sld xmlns:a="http://schemas.openxmlformats.org/drawingml/2006/main" xmlns:r="http://schemas.openxmlformats.org/officeDocument/2006/relationships" xmlns:p="http://schemas.openxmlformats.org/presentationml/2006/main">
-  <p:cSld>
-    <p:spTree>
-      <p:nvGrpSpPr>
-        <p:cNvPr id="1" name=""/>
-        <p:cNvGrpSpPr/>
-        <p:nvPr/>
-      </p:nvGrpSpPr>
-      <p:grpSpPr/>
-      <p:sp>
-        <p:nvSpPr>
-          <p:cNvPr id="2" name="Title 1"/>
-          <p:cNvSpPr>
-            <a:spLocks noGrp="1"/>
-          </p:cNvSpPr>
-          <p:nvPr>
-            <p:ph type="title"/>
-          </p:nvPr>
-        </p:nvSpPr>
-        <p:spPr/>
-        <p:txBody>
-          <a:bodyPr/>
-          <a:lstStyle/>
-          <a:p>
-            <a:r>
-              <a:t>3 分钟 Pitch 脚本 / Pitch Script</a:t>
-            </a:r>
-          </a:p>
-        </p:txBody>
-      </p:sp>
-      <p:sp>
-        <p:nvSpPr>
-          <p:cNvPr id="3" name="Content Placeholder 2"/>
-          <p:cNvSpPr>
-            <a:spLocks noGrp="1"/>
-          </p:cNvSpPr>
-          <p:nvPr>
-            <p:ph idx="1"/>
-          </p:nvPr>
-        </p:nvSpPr>
-        <p:spPr/>
-        <p:txBody>
-          <a:bodyPr/>
-          <a:lstStyle/>
-          <a:p>
-            <a:r>
-              <a:rPr sz="1800"/>
-              <a:t>开场 → 功能演示 → 技术思路 → 收尾</a:t>
-            </a:r>
-            <a:endParaRPr sz="1800"/>
-          </a:p>
-          <a:p>
-            <a:r>
-              <a:rPr sz="1800"/>
-              <a:t>可快速展示网页、生成计划、PDF 下载、复制文本</a:t>
-            </a:r>
-            <a:endParaRPr sz="1800"/>
-          </a:p>
-          <a:p>
-            <a:endParaRPr sz="1800"/>
-          </a:p>
-          <a:p>
-            <a:r>
-              <a:rPr sz="1800"/>
-              <a:t>Opening → Demo → Tech idea → Closing</a:t>
-            </a:r>
-            <a:endParaRPr sz="1800"/>
-          </a:p>
-          <a:p>
-            <a:r>
-              <a:rPr sz="1800"/>
-              <a:t>Quickly show webpage, generate plan, download PDF, copy text</a:t>
-            </a:r>
-            <a:endParaRPr sz="1800"/>
-          </a:p>
-        </p:txBody>
-      </p:sp>
-    </p:spTree>
-  </p:cSld>
-  <p:clrMapOvr>
-    <a:masterClrMapping/>
-  </p:clrMapOvr>
-</p:sld>
-</file>
-
-<file path=ppt/slides/slide12.xml><?xml version="1.0" encoding="utf-8"?>
-<p:sld xmlns:a="http://schemas.openxmlformats.org/drawingml/2006/main" xmlns:r="http://schemas.openxmlformats.org/officeDocument/2006/relationships" xmlns:p="http://schemas.openxmlformats.org/presentationml/2006/main">
-  <p:cSld>
-    <p:spTree>
-      <p:nvGrpSpPr>
-        <p:cNvPr id="1" name=""/>
-        <p:cNvGrpSpPr/>
-        <p:nvPr/>
-      </p:nvGrpSpPr>
-      <p:grpSpPr/>
-      <p:sp>
-        <p:nvSpPr>
-          <p:cNvPr id="2" name="Title 1"/>
-          <p:cNvSpPr>
-            <a:spLocks noGrp="1"/>
-          </p:cNvSpPr>
-          <p:nvPr>
-            <p:ph type="title"/>
-          </p:nvPr>
-        </p:nvSpPr>
-        <p:spPr/>
-        <p:txBody>
-          <a:bodyPr/>
-          <a:lstStyle/>
-          <a:p>
-            <a:r>
-              <a:t>封底 / Thank You</a:t>
-            </a:r>
-          </a:p>
-        </p:txBody>
-      </p:sp>
-      <p:sp>
-        <p:nvSpPr>
-          <p:cNvPr id="3" name="Content Placeholder 2"/>
-          <p:cNvSpPr>
-            <a:spLocks noGrp="1"/>
-          </p:cNvSpPr>
-          <p:nvPr>
-            <p:ph idx="1"/>
-          </p:nvPr>
-        </p:nvSpPr>
-        <p:spPr/>
-        <p:txBody>
-          <a:bodyPr/>
-          <a:lstStyle/>
-          <a:p>
-            <a:r>
-              <a:rPr sz="1800"/>
-              <a:t>感谢观看！</a:t>
-            </a:r>
-            <a:endParaRPr sz="1800"/>
-          </a:p>
-          <a:p>
-            <a:r>
-              <a:rPr sz="1800"/>
-              <a:t>Demo 链接、团队信息</a:t>
-            </a:r>
-            <a:endParaRPr sz="1800"/>
-          </a:p>
-          <a:p>
-            <a:endParaRPr sz="1800"/>
-          </a:p>
-          <a:p>
-            <a:r>
-              <a:rPr sz="1800"/>
-              <a:t>Thank you!</a:t>
-            </a:r>
-            <a:endParaRPr sz="1800"/>
-          </a:p>
-          <a:p>
-            <a:r>
-              <a:rPr sz="1800"/>
-              <a:t>Demo link, team info</a:t>
-            </a:r>
-            <a:endParaRPr sz="1800"/>
+        <p:spPr>
+          <a:xfrm>
+            <a:off x="457200" y="2857183"/>
+            <a:ext cx="8229600" cy="1143000"/>
+          </a:xfrm>
+        </p:spPr>
+        <p:txBody>
+          <a:bodyPr/>
+          <a:lstStyle/>
+          <a:p>
+            <a:r>
+              <a:rPr sz="6000"/>
+              <a:t> Thank You</a:t>
+            </a:r>
+            <a:endParaRPr sz="6000"/>
           </a:p>
         </p:txBody>
       </p:sp>
@@ -3952,7 +3752,7 @@
           <a:lstStyle/>
           <a:p>
             <a:r>
-              <a:t>部署 / Deployment</a:t>
+              <a:t>后端 &amp; AI Agents / Backend &amp; AI</a:t>
             </a:r>
           </a:p>
         </p:txBody>
@@ -3974,14 +3774,14 @@
           <a:p>
             <a:r>
               <a:rPr sz="1800"/>
-              <a:t>平台：Vercel / Netlify / Replit</a:t>
+              <a:t>后端：用户系统、PDF 高级生成、邮件、资源校验</a:t>
             </a:r>
             <a:endParaRPr sz="1800"/>
           </a:p>
           <a:p>
             <a:r>
               <a:rPr sz="1800"/>
-              <a:t>步骤：上传 GitHub → 自动生成 Demo</a:t>
+              <a:t>AI Agents：计划优化、资源推荐、语言翻译、错题关联</a:t>
             </a:r>
             <a:endParaRPr sz="1800"/>
           </a:p>
@@ -3991,14 +3791,14 @@
           <a:p>
             <a:r>
               <a:rPr sz="1800"/>
-              <a:t>Platform: Vercel / Netlify / Replit</a:t>
+              <a:t>Backend: User system, advanced PDF, email, resource validation</a:t>
             </a:r>
             <a:endParaRPr sz="1800"/>
           </a:p>
           <a:p>
             <a:r>
               <a:rPr sz="1800"/>
-              <a:t>Steps: Upload to GitHub → Auto-generate demo</a:t>
+              <a:t>AI Agents: Plan optimization, resource recommendation, language translation, wrong-note linking</a:t>
             </a:r>
             <a:endParaRPr sz="1800"/>
           </a:p>
@@ -4038,58 +3838,35 @@
           <a:lstStyle/>
           <a:p>
             <a:r>
-              <a:t>后端 &amp; AI Agents / Backend &amp; AI</a:t>
-            </a:r>
-          </a:p>
-        </p:txBody>
-      </p:sp>
-      <p:sp>
-        <p:nvSpPr>
-          <p:cNvPr id="3" name="Content Placeholder 2"/>
-          <p:cNvSpPr>
-            <a:spLocks noGrp="1"/>
-          </p:cNvSpPr>
-          <p:nvPr>
-            <p:ph idx="1"/>
-          </p:nvPr>
-        </p:nvSpPr>
-        <p:spPr/>
-        <p:txBody>
-          <a:bodyPr/>
-          <a:lstStyle/>
-          <a:p>
-            <a:r>
-              <a:rPr sz="1800"/>
-              <a:t>后端：用户系统、PDF 高级生成、邮件、资源校验</a:t>
-            </a:r>
-            <a:endParaRPr sz="1800"/>
-          </a:p>
-          <a:p>
-            <a:r>
-              <a:rPr sz="1800"/>
-              <a:t>AI Agents：计划优化、资源推荐、语言翻译、错题关联</a:t>
-            </a:r>
-            <a:endParaRPr sz="1800"/>
-          </a:p>
-          <a:p>
-            <a:endParaRPr sz="1800"/>
-          </a:p>
-          <a:p>
-            <a:r>
-              <a:rPr sz="1800"/>
-              <a:t>Backend: User system, advanced PDF, email, resource validation</a:t>
-            </a:r>
-            <a:endParaRPr sz="1800"/>
-          </a:p>
-          <a:p>
-            <a:r>
-              <a:rPr sz="1800"/>
-              <a:t>AI Agents: Plan optimization, resource recommendation, language translation, wrong-note linking</a:t>
-            </a:r>
-            <a:endParaRPr sz="1800"/>
-          </a:p>
-        </p:txBody>
-      </p:sp>
+              <a:t>扩展方向 / Expansion</a:t>
+            </a:r>
+          </a:p>
+        </p:txBody>
+      </p:sp>
+      <p:pic>
+        <p:nvPicPr>
+          <p:cNvPr id="5" name="图片 4"/>
+          <p:cNvPicPr>
+            <a:picLocks noChangeAspect="1"/>
+          </p:cNvPicPr>
+          <p:nvPr/>
+        </p:nvPicPr>
+        <p:blipFill>
+          <a:blip r:embed="rId1"/>
+          <a:stretch>
+            <a:fillRect/>
+          </a:stretch>
+        </p:blipFill>
+        <p:spPr>
+          <a:xfrm>
+            <a:off x="836295" y="1183640"/>
+            <a:ext cx="7471410" cy="5434330"/>
+          </a:xfrm>
+          <a:prstGeom prst="rect">
+            <a:avLst/>
+          </a:prstGeom>
+        </p:spPr>
+      </p:pic>
     </p:spTree>
   </p:cSld>
   <p:clrMapOvr>
